--- a/Rage Quit Initial.pptx
+++ b/Rage Quit Initial.pptx
@@ -13431,7 +13431,7 @@
                 <a:cs typeface="Times New Roman"/>
                 <a:sym typeface="Times New Roman"/>
               </a:rPr>
-              <a:t>Getting art assets. Creating art without an artist.</a:t>
+              <a:t>Acquiring art assets. Creating art without an artist.</a:t>
             </a:r>
             <a:endParaRPr>
               <a:latin typeface="Times New Roman"/>
@@ -13460,6 +13460,34 @@
                 <a:sym typeface="Times New Roman"/>
               </a:rPr>
               <a:t>Working with the physics of objects</a:t>
+            </a:r>
+            <a:endParaRPr>
+              <a:latin typeface="Times New Roman"/>
+              <a:ea typeface="Times New Roman"/>
+              <a:cs typeface="Times New Roman"/>
+              <a:sym typeface="Times New Roman"/>
+            </a:endParaRPr>
+          </a:p>
+          <a:p>
+            <a:pPr indent="-342900" lvl="0" marL="457200" rtl="0" algn="l">
+              <a:spcBef>
+                <a:spcPts val="0"/>
+              </a:spcBef>
+              <a:spcAft>
+                <a:spcPts val="0"/>
+              </a:spcAft>
+              <a:buSzPts val="1800"/>
+              <a:buFont typeface="Times New Roman"/>
+              <a:buChar char="•"/>
+            </a:pPr>
+            <a:r>
+              <a:rPr lang="en-US">
+                <a:latin typeface="Times New Roman"/>
+                <a:ea typeface="Times New Roman"/>
+                <a:cs typeface="Times New Roman"/>
+                <a:sym typeface="Times New Roman"/>
+              </a:rPr>
+              <a:t>Juggling the learning of both Unity and Blender</a:t>
             </a:r>
             <a:endParaRPr>
               <a:latin typeface="Times New Roman"/>
@@ -13704,6 +13732,62 @@
                 <a:sym typeface="Times New Roman"/>
               </a:rPr>
               <a:t>First person 3D game</a:t>
+            </a:r>
+            <a:endParaRPr sz="2500">
+              <a:latin typeface="Times New Roman"/>
+              <a:ea typeface="Times New Roman"/>
+              <a:cs typeface="Times New Roman"/>
+              <a:sym typeface="Times New Roman"/>
+            </a:endParaRPr>
+          </a:p>
+          <a:p>
+            <a:pPr indent="-387350" lvl="0" marL="457200" rtl="0" algn="l">
+              <a:spcBef>
+                <a:spcPts val="0"/>
+              </a:spcBef>
+              <a:spcAft>
+                <a:spcPts val="0"/>
+              </a:spcAft>
+              <a:buSzPts val="2500"/>
+              <a:buFont typeface="Times New Roman"/>
+              <a:buChar char="•"/>
+            </a:pPr>
+            <a:r>
+              <a:rPr lang="en-US" sz="2500">
+                <a:latin typeface="Times New Roman"/>
+                <a:ea typeface="Times New Roman"/>
+                <a:cs typeface="Times New Roman"/>
+                <a:sym typeface="Times New Roman"/>
+              </a:rPr>
+              <a:t>Game Menu for the player</a:t>
+            </a:r>
+            <a:endParaRPr sz="2500">
+              <a:latin typeface="Times New Roman"/>
+              <a:ea typeface="Times New Roman"/>
+              <a:cs typeface="Times New Roman"/>
+              <a:sym typeface="Times New Roman"/>
+            </a:endParaRPr>
+          </a:p>
+          <a:p>
+            <a:pPr indent="-387350" lvl="0" marL="457200" rtl="0" algn="l">
+              <a:spcBef>
+                <a:spcPts val="0"/>
+              </a:spcBef>
+              <a:spcAft>
+                <a:spcPts val="0"/>
+              </a:spcAft>
+              <a:buSzPts val="2500"/>
+              <a:buFont typeface="Times New Roman"/>
+              <a:buChar char="•"/>
+            </a:pPr>
+            <a:r>
+              <a:rPr lang="en-US" sz="2500">
+                <a:latin typeface="Times New Roman"/>
+                <a:ea typeface="Times New Roman"/>
+                <a:cs typeface="Times New Roman"/>
+                <a:sym typeface="Times New Roman"/>
+              </a:rPr>
+              <a:t>Controls information menu for the player</a:t>
             </a:r>
             <a:endParaRPr sz="2500">
               <a:latin typeface="Times New Roman"/>
@@ -14899,7 +14983,7 @@
                 <a:cs typeface="Arial"/>
                 <a:sym typeface="Arial"/>
               </a:rPr>
-              <a:t>As a player, I want a starting room with objects so I can have a bunch of items to choose from</a:t>
+              <a:t>As a player, I want a starting room to feel immersed.</a:t>
             </a:r>
             <a:endParaRPr sz="1800">
               <a:latin typeface="Arial"/>
@@ -14929,7 +15013,38 @@
                 <a:cs typeface="Arial"/>
                 <a:sym typeface="Arial"/>
               </a:rPr>
-              <a:t>As a player, I want interactive controls so that I can be able to move around the world and destroy objects</a:t>
+              <a:t>As a player, I want interactive controls so that I can be able to move around the world and destroy objects.</a:t>
+            </a:r>
+            <a:endParaRPr sz="1800">
+              <a:latin typeface="Arial"/>
+              <a:ea typeface="Arial"/>
+              <a:cs typeface="Arial"/>
+              <a:sym typeface="Arial"/>
+            </a:endParaRPr>
+          </a:p>
+          <a:p>
+            <a:pPr indent="-342900" lvl="0" marL="914400" rtl="0" algn="l">
+              <a:lnSpc>
+                <a:spcPct val="115000"/>
+              </a:lnSpc>
+              <a:spcBef>
+                <a:spcPts val="0"/>
+              </a:spcBef>
+              <a:spcAft>
+                <a:spcPts val="0"/>
+              </a:spcAft>
+              <a:buSzPts val="1800"/>
+              <a:buFont typeface="Arial"/>
+              <a:buChar char="●"/>
+            </a:pPr>
+            <a:r>
+              <a:rPr lang="en-US" sz="1800">
+                <a:latin typeface="Arial"/>
+                <a:ea typeface="Arial"/>
+                <a:cs typeface="Arial"/>
+                <a:sym typeface="Arial"/>
+              </a:rPr>
+              <a:t>As a player, I want a menu screen and a how to play screen.</a:t>
             </a:r>
             <a:endParaRPr sz="1800">
               <a:latin typeface="Arial"/>
@@ -15024,6 +15139,37 @@
                 <a:sym typeface="Arial"/>
               </a:rPr>
               <a:t>Get familiar with Unity and C#</a:t>
+            </a:r>
+            <a:endParaRPr sz="1800">
+              <a:latin typeface="Arial"/>
+              <a:ea typeface="Arial"/>
+              <a:cs typeface="Arial"/>
+              <a:sym typeface="Arial"/>
+            </a:endParaRPr>
+          </a:p>
+          <a:p>
+            <a:pPr indent="-342900" lvl="0" marL="914400" rtl="0" algn="l">
+              <a:lnSpc>
+                <a:spcPct val="115000"/>
+              </a:lnSpc>
+              <a:spcBef>
+                <a:spcPts val="0"/>
+              </a:spcBef>
+              <a:spcAft>
+                <a:spcPts val="0"/>
+              </a:spcAft>
+              <a:buSzPts val="1800"/>
+              <a:buFont typeface="Arial"/>
+              <a:buChar char="●"/>
+            </a:pPr>
+            <a:r>
+              <a:rPr lang="en-US" sz="1800">
+                <a:latin typeface="Arial"/>
+                <a:ea typeface="Arial"/>
+                <a:cs typeface="Arial"/>
+                <a:sym typeface="Arial"/>
+              </a:rPr>
+              <a:t>Learn Blender for the design of Models</a:t>
             </a:r>
             <a:endParaRPr sz="1800">
               <a:latin typeface="Arial"/>
@@ -15421,6 +15567,37 @@
             </a:endParaRPr>
           </a:p>
           <a:p>
+            <a:pPr indent="-342900" lvl="0" marL="914400" rtl="0" algn="l">
+              <a:lnSpc>
+                <a:spcPct val="115000"/>
+              </a:lnSpc>
+              <a:spcBef>
+                <a:spcPts val="0"/>
+              </a:spcBef>
+              <a:spcAft>
+                <a:spcPts val="0"/>
+              </a:spcAft>
+              <a:buSzPts val="1800"/>
+              <a:buFont typeface="Arial"/>
+              <a:buChar char="●"/>
+            </a:pPr>
+            <a:r>
+              <a:rPr lang="en-US" sz="1800">
+                <a:latin typeface="Arial"/>
+                <a:ea typeface="Arial"/>
+                <a:cs typeface="Arial"/>
+                <a:sym typeface="Arial"/>
+              </a:rPr>
+              <a:t>As a player, I want a sledgehammer to smash electronics.</a:t>
+            </a:r>
+            <a:endParaRPr sz="1800">
+              <a:latin typeface="Arial"/>
+              <a:ea typeface="Arial"/>
+              <a:cs typeface="Arial"/>
+              <a:sym typeface="Arial"/>
+            </a:endParaRPr>
+          </a:p>
+          <a:p>
             <a:pPr indent="0" lvl="0" marL="0" rtl="0" algn="l">
               <a:lnSpc>
                 <a:spcPct val="115000"/>
@@ -15914,6 +16091,37 @@
             </a:endParaRPr>
           </a:p>
           <a:p>
+            <a:pPr indent="-342900" lvl="0" marL="914400" rtl="0" algn="l">
+              <a:lnSpc>
+                <a:spcPct val="115000"/>
+              </a:lnSpc>
+              <a:spcBef>
+                <a:spcPts val="0"/>
+              </a:spcBef>
+              <a:spcAft>
+                <a:spcPts val="0"/>
+              </a:spcAft>
+              <a:buSzPts val="1800"/>
+              <a:buFont typeface="Arial"/>
+              <a:buChar char="●"/>
+            </a:pPr>
+            <a:r>
+              <a:rPr lang="en-US" sz="1800">
+                <a:latin typeface="Arial"/>
+                <a:ea typeface="Arial"/>
+                <a:cs typeface="Arial"/>
+                <a:sym typeface="Arial"/>
+              </a:rPr>
+              <a:t>As a player, I want to be able to use a bladed weapon to slice and dice apple products.</a:t>
+            </a:r>
+            <a:endParaRPr sz="1800">
+              <a:latin typeface="Arial"/>
+              <a:ea typeface="Arial"/>
+              <a:cs typeface="Arial"/>
+              <a:sym typeface="Arial"/>
+            </a:endParaRPr>
+          </a:p>
+          <a:p>
             <a:pPr indent="0" lvl="0" marL="0" rtl="0" algn="l">
               <a:lnSpc>
                 <a:spcPct val="115000"/>
@@ -15978,6 +16186,67 @@
             </a:endParaRPr>
           </a:p>
           <a:p>
+            <a:pPr indent="-342900" lvl="0" marL="914400" rtl="0" algn="l">
+              <a:lnSpc>
+                <a:spcPct val="115000"/>
+              </a:lnSpc>
+              <a:spcBef>
+                <a:spcPts val="0"/>
+              </a:spcBef>
+              <a:spcAft>
+                <a:spcPts val="0"/>
+              </a:spcAft>
+              <a:buSzPts val="1800"/>
+              <a:buFont typeface="Arial"/>
+              <a:buChar char="●"/>
+            </a:pPr>
+            <a:r>
+              <a:rPr lang="en-US" sz="1800">
+                <a:latin typeface="Arial"/>
+                <a:ea typeface="Arial"/>
+                <a:cs typeface="Arial"/>
+                <a:sym typeface="Arial"/>
+              </a:rPr>
+              <a:t>research score menu and timer for the game.</a:t>
+            </a:r>
+            <a:endParaRPr sz="1800">
+              <a:latin typeface="Arial"/>
+              <a:ea typeface="Arial"/>
+              <a:cs typeface="Arial"/>
+              <a:sym typeface="Arial"/>
+            </a:endParaRPr>
+          </a:p>
+          <a:p>
+            <a:pPr indent="-342900" lvl="0" marL="914400" rtl="0" algn="l">
+              <a:lnSpc>
+                <a:spcPct val="115000"/>
+              </a:lnSpc>
+              <a:spcBef>
+                <a:spcPts val="0"/>
+              </a:spcBef>
+              <a:spcAft>
+                <a:spcPts val="0"/>
+              </a:spcAft>
+              <a:buSzPts val="1800"/>
+              <a:buChar char="●"/>
+            </a:pPr>
+            <a:r>
+              <a:rPr lang="en-US" sz="1800">
+                <a:latin typeface="Times New Roman"/>
+                <a:ea typeface="Times New Roman"/>
+                <a:cs typeface="Times New Roman"/>
+                <a:sym typeface="Times New Roman"/>
+              </a:rPr>
+              <a:t>Design UI/UX</a:t>
+            </a:r>
+            <a:endParaRPr sz="1800">
+              <a:latin typeface="Times New Roman"/>
+              <a:ea typeface="Times New Roman"/>
+              <a:cs typeface="Times New Roman"/>
+              <a:sym typeface="Times New Roman"/>
+            </a:endParaRPr>
+          </a:p>
+          <a:p>
             <a:pPr indent="0" lvl="0" marL="0" rtl="0" algn="l">
               <a:lnSpc>
                 <a:spcPct val="115000"/>
@@ -16033,31 +16302,6 @@
                 <a:sym typeface="Times New Roman"/>
               </a:rPr>
               <a:t>Install relevant Unity packages</a:t>
-            </a:r>
-            <a:endParaRPr sz="1800">
-              <a:latin typeface="Times New Roman"/>
-              <a:ea typeface="Times New Roman"/>
-              <a:cs typeface="Times New Roman"/>
-              <a:sym typeface="Times New Roman"/>
-            </a:endParaRPr>
-          </a:p>
-          <a:p>
-            <a:pPr indent="0" lvl="0" marL="0" rtl="0" algn="l">
-              <a:spcBef>
-                <a:spcPts val="640"/>
-              </a:spcBef>
-              <a:spcAft>
-                <a:spcPts val="0"/>
-              </a:spcAft>
-              <a:buClr>
-                <a:schemeClr val="dk1"/>
-              </a:buClr>
-              <a:buSzPts val="3200"/>
-              <a:buFont typeface="Arial"/>
-              <a:buNone/>
-            </a:pPr>
-            <a:r>
-              <a:t/>
             </a:r>
             <a:endParaRPr/>
           </a:p>
@@ -16327,7 +16571,7 @@
               </a:rPr>
               <a:t>User Stories:</a:t>
             </a:r>
-            <a:endParaRPr b="1" sz="1800">
+            <a:endParaRPr sz="1800">
               <a:latin typeface="Arial"/>
               <a:ea typeface="Arial"/>
               <a:cs typeface="Arial"/>
@@ -16355,7 +16599,7 @@
                 <a:cs typeface="Arial"/>
                 <a:sym typeface="Arial"/>
               </a:rPr>
-              <a:t>As a player, I want a game where I can take my anger out on any objects in a virtual environment. (physics of the game)</a:t>
+              <a:t>As a player, I want a polished and well-lit game.</a:t>
             </a:r>
             <a:endParaRPr sz="1800">
               <a:latin typeface="Arial"/>
@@ -16385,67 +16629,7 @@
                 <a:cs typeface="Arial"/>
                 <a:sym typeface="Arial"/>
               </a:rPr>
-              <a:t>As a player, I want more tools and items to break</a:t>
-            </a:r>
-            <a:endParaRPr sz="1800">
-              <a:latin typeface="Arial"/>
-              <a:ea typeface="Arial"/>
-              <a:cs typeface="Arial"/>
-              <a:sym typeface="Arial"/>
-            </a:endParaRPr>
-          </a:p>
-          <a:p>
-            <a:pPr indent="-342900" lvl="0" marL="914400" rtl="0" algn="l">
-              <a:lnSpc>
-                <a:spcPct val="115000"/>
-              </a:lnSpc>
-              <a:spcBef>
-                <a:spcPts val="0"/>
-              </a:spcBef>
-              <a:spcAft>
-                <a:spcPts val="0"/>
-              </a:spcAft>
-              <a:buSzPts val="1800"/>
-              <a:buChar char="●"/>
-            </a:pPr>
-            <a:r>
-              <a:rPr lang="en-US" sz="1800">
-                <a:latin typeface="Arial"/>
-                <a:ea typeface="Arial"/>
-                <a:cs typeface="Arial"/>
-                <a:sym typeface="Arial"/>
-              </a:rPr>
-              <a:t>As a player, I want a polished game. (Lighting + post-processing)</a:t>
-            </a:r>
-            <a:endParaRPr sz="1800">
-              <a:latin typeface="Arial"/>
-              <a:ea typeface="Arial"/>
-              <a:cs typeface="Arial"/>
-              <a:sym typeface="Arial"/>
-            </a:endParaRPr>
-          </a:p>
-          <a:p>
-            <a:pPr indent="-342900" lvl="0" marL="914400" rtl="0" algn="l">
-              <a:lnSpc>
-                <a:spcPct val="115000"/>
-              </a:lnSpc>
-              <a:spcBef>
-                <a:spcPts val="0"/>
-              </a:spcBef>
-              <a:spcAft>
-                <a:spcPts val="0"/>
-              </a:spcAft>
-              <a:buSzPts val="1800"/>
-              <a:buChar char="●"/>
-            </a:pPr>
-            <a:r>
-              <a:rPr lang="en-US" sz="1800">
-                <a:latin typeface="Arial"/>
-                <a:ea typeface="Arial"/>
-                <a:cs typeface="Arial"/>
-                <a:sym typeface="Arial"/>
-              </a:rPr>
-              <a:t>As a player, I want to play with my friends. (Multiplayer)</a:t>
+              <a:t>As a player, I want to play with my friends.</a:t>
             </a:r>
             <a:endParaRPr sz="1800">
               <a:latin typeface="Arial"/>
@@ -16532,7 +16716,7 @@
                 <a:cs typeface="Arial"/>
                 <a:sym typeface="Arial"/>
               </a:rPr>
-              <a:t>Do research on the physics engines in Unity</a:t>
+              <a:t>Do research on the lighting and post-processing</a:t>
             </a:r>
             <a:endParaRPr sz="1800">
               <a:latin typeface="Arial"/>
@@ -16560,6 +16744,62 @@
                 <a:sym typeface="Arial"/>
               </a:rPr>
               <a:t>Look into implementation of multiplayer functions</a:t>
+            </a:r>
+            <a:endParaRPr sz="1800">
+              <a:latin typeface="Arial"/>
+              <a:ea typeface="Arial"/>
+              <a:cs typeface="Arial"/>
+              <a:sym typeface="Arial"/>
+            </a:endParaRPr>
+          </a:p>
+          <a:p>
+            <a:pPr indent="-342900" lvl="0" marL="914400" rtl="0" algn="l">
+              <a:spcBef>
+                <a:spcPts val="0"/>
+              </a:spcBef>
+              <a:spcAft>
+                <a:spcPts val="0"/>
+              </a:spcAft>
+              <a:buSzPts val="1800"/>
+              <a:buFont typeface="Arial"/>
+              <a:buChar char="•"/>
+            </a:pPr>
+            <a:r>
+              <a:rPr lang="en-US" sz="1800">
+                <a:latin typeface="Arial"/>
+                <a:ea typeface="Arial"/>
+                <a:cs typeface="Arial"/>
+                <a:sym typeface="Arial"/>
+              </a:rPr>
+              <a:t>research multiplayer functionality</a:t>
+            </a:r>
+            <a:endParaRPr sz="1800">
+              <a:latin typeface="Arial"/>
+              <a:ea typeface="Arial"/>
+              <a:cs typeface="Arial"/>
+              <a:sym typeface="Arial"/>
+            </a:endParaRPr>
+          </a:p>
+          <a:p>
+            <a:pPr indent="-342900" lvl="0" marL="914400" rtl="0" algn="l">
+              <a:spcBef>
+                <a:spcPts val="0"/>
+              </a:spcBef>
+              <a:spcAft>
+                <a:spcPts val="0"/>
+              </a:spcAft>
+              <a:buSzPts val="1800"/>
+              <a:buFont typeface="Arial"/>
+              <a:buChar char="•"/>
+            </a:pPr>
+            <a:r>
+              <a:rPr lang="en-US" sz="1800">
+                <a:latin typeface="Arial"/>
+                <a:ea typeface="Arial"/>
+                <a:cs typeface="Arial"/>
+                <a:sym typeface="Arial"/>
+              </a:rPr>
+              <a:t>Play testing and checking for bugs</a:t>
             </a:r>
             <a:endParaRPr sz="1800">
               <a:latin typeface="Arial"/>
@@ -17155,7 +17395,40 @@
               </a:rPr>
               <a:t>Unity Teams</a:t>
             </a:r>
-            <a:endParaRPr sz="4400"/>
+            <a:endParaRPr>
+              <a:latin typeface="Times New Roman"/>
+              <a:ea typeface="Times New Roman"/>
+              <a:cs typeface="Times New Roman"/>
+              <a:sym typeface="Times New Roman"/>
+            </a:endParaRPr>
+          </a:p>
+          <a:p>
+            <a:pPr indent="-342900" lvl="0" marL="457200" rtl="0" algn="l">
+              <a:spcBef>
+                <a:spcPts val="0"/>
+              </a:spcBef>
+              <a:spcAft>
+                <a:spcPts val="0"/>
+              </a:spcAft>
+              <a:buSzPts val="1800"/>
+              <a:buFont typeface="Times New Roman"/>
+              <a:buChar char="•"/>
+            </a:pPr>
+            <a:r>
+              <a:rPr lang="en-US">
+                <a:latin typeface="Times New Roman"/>
+                <a:ea typeface="Times New Roman"/>
+                <a:cs typeface="Times New Roman"/>
+                <a:sym typeface="Times New Roman"/>
+              </a:rPr>
+              <a:t>Blender</a:t>
+            </a:r>
+            <a:endParaRPr>
+              <a:latin typeface="Times New Roman"/>
+              <a:ea typeface="Times New Roman"/>
+              <a:cs typeface="Times New Roman"/>
+              <a:sym typeface="Times New Roman"/>
+            </a:endParaRPr>
           </a:p>
           <a:p>
             <a:pPr indent="0" lvl="0" marL="0" rtl="0" algn="l">
